--- a/content/policies/irtf-note-well-2019-11.pptx
+++ b/content/policies/irtf-note-well-2019-11.pptx
@@ -3290,7 +3290,7 @@
               <a:rPr u="sng">
                 <a:hlinkClick r:id="rId4" invalidUrl="" action="" tgtFrame="" tooltip="" history="1" highlightClick="0" endSnd="0"/>
               </a:rPr>
-              <a:t>RFC 3979</a:t>
+              <a:t>RFC 8179</a:t>
             </a:r>
             <a:r>
               <a:t> (Patents, Participation), substituting IRTF for IETF, and at </a:t>
@@ -3299,7 +3299,7 @@
               <a:rPr u="sng">
                 <a:hlinkClick r:id="rId5" invalidUrl="" action="" tgtFrame="" tooltip="" history="1" highlightClick="0" endSnd="0"/>
               </a:rPr>
-              <a:t>https://irtf.org/policies/</a:t>
+              <a:t>https://irtf.org/policies/ipr</a:t>
             </a:r>
             <a:r>
               <a:t>  </a:t>
